--- a/ppt 16-9/1349.匠人所弃的石.pptx
+++ b/ppt 16-9/1349.匠人所弃的石.pptx
@@ -5,7 +5,7 @@
     <p:sldMasterId id="2147483648" r:id="rId1"/>
   </p:sldMasterIdLst>
   <p:sldIdLst>
-    <p:sldId id="910" r:id="rId2"/>
+    <p:sldId id="913" r:id="rId2"/>
   </p:sldIdLst>
   <p:sldSz cx="12192000" cy="6858000"/>
   <p:notesSz cx="6858000" cy="9144000"/>
@@ -129,7 +129,7 @@
           <p:cNvPr id="2" name="标题 1">
             <a:extLst>
               <a:ext uri="{FF2B5EF4-FFF2-40B4-BE49-F238E27FC236}">
-                <a16:creationId xmlns:a16="http://schemas.microsoft.com/office/drawing/2014/main" id="{B23266CE-D14D-78BA-37A9-D86F6BA17C4C}"/>
+                <a16:creationId xmlns:a16="http://schemas.microsoft.com/office/drawing/2014/main" id="{313368AB-6F79-1FFE-F7F8-423FFEBBC91E}"/>
               </a:ext>
             </a:extLst>
           </p:cNvPr>
@@ -166,7 +166,7 @@
           <p:cNvPr id="3" name="副标题 2">
             <a:extLst>
               <a:ext uri="{FF2B5EF4-FFF2-40B4-BE49-F238E27FC236}">
-                <a16:creationId xmlns:a16="http://schemas.microsoft.com/office/drawing/2014/main" id="{BE066326-62BB-D8F8-E142-E478327C5CE0}"/>
+                <a16:creationId xmlns:a16="http://schemas.microsoft.com/office/drawing/2014/main" id="{1A86495C-163F-37EF-477A-6882EEB5763D}"/>
               </a:ext>
             </a:extLst>
           </p:cNvPr>
@@ -236,7 +236,7 @@
           <p:cNvPr id="4" name="日期占位符 3">
             <a:extLst>
               <a:ext uri="{FF2B5EF4-FFF2-40B4-BE49-F238E27FC236}">
-                <a16:creationId xmlns:a16="http://schemas.microsoft.com/office/drawing/2014/main" id="{9E2066EE-377F-35CF-31B2-CB0C7A1E0C72}"/>
+                <a16:creationId xmlns:a16="http://schemas.microsoft.com/office/drawing/2014/main" id="{AA33EA1E-3784-6BF2-B016-3155B002FC23}"/>
               </a:ext>
             </a:extLst>
           </p:cNvPr>
@@ -252,7 +252,7 @@
           <a:bodyPr/>
           <a:lstStyle/>
           <a:p>
-            <a:fld id="{ABC22747-FCD2-4910-9D81-A59BE09DB5D5}" type="datetimeFigureOut">
+            <a:fld id="{728984BB-852E-417E-B406-A748874057C6}" type="datetimeFigureOut">
               <a:rPr lang="zh-CN" altLang="en-US" smtClean="0"/>
               <a:t>2024/3/10</a:t>
             </a:fld>
@@ -265,7 +265,7 @@
           <p:cNvPr id="5" name="页脚占位符 4">
             <a:extLst>
               <a:ext uri="{FF2B5EF4-FFF2-40B4-BE49-F238E27FC236}">
-                <a16:creationId xmlns:a16="http://schemas.microsoft.com/office/drawing/2014/main" id="{8E958FED-485A-5CF4-D23C-C75083DC8EEA}"/>
+                <a16:creationId xmlns:a16="http://schemas.microsoft.com/office/drawing/2014/main" id="{E8D23228-9288-81AA-6169-EC7D12BC37FB}"/>
               </a:ext>
             </a:extLst>
           </p:cNvPr>
@@ -290,7 +290,7 @@
           <p:cNvPr id="6" name="灯片编号占位符 5">
             <a:extLst>
               <a:ext uri="{FF2B5EF4-FFF2-40B4-BE49-F238E27FC236}">
-                <a16:creationId xmlns:a16="http://schemas.microsoft.com/office/drawing/2014/main" id="{0D012C97-DD54-82E1-70F3-8AF826788459}"/>
+                <a16:creationId xmlns:a16="http://schemas.microsoft.com/office/drawing/2014/main" id="{FB452877-D0F0-1D72-B052-C0DC2EA27E43}"/>
               </a:ext>
             </a:extLst>
           </p:cNvPr>
@@ -306,7 +306,7 @@
           <a:bodyPr/>
           <a:lstStyle/>
           <a:p>
-            <a:fld id="{677D60E0-B3A2-4A67-8401-050ED124A821}" type="slidenum">
+            <a:fld id="{8804E113-63D1-4B6A-80BF-ADA0308F3D11}" type="slidenum">
               <a:rPr lang="zh-CN" altLang="en-US" smtClean="0"/>
               <a:t>‹#›</a:t>
             </a:fld>
@@ -317,7 +317,7 @@
     </p:spTree>
     <p:extLst>
       <p:ext uri="{BB962C8B-B14F-4D97-AF65-F5344CB8AC3E}">
-        <p14:creationId xmlns:p14="http://schemas.microsoft.com/office/powerpoint/2010/main" val="2894666588"/>
+        <p14:creationId xmlns:p14="http://schemas.microsoft.com/office/powerpoint/2010/main" val="3843793941"/>
       </p:ext>
     </p:extLst>
   </p:cSld>
@@ -349,7 +349,7 @@
           <p:cNvPr id="2" name="标题 1">
             <a:extLst>
               <a:ext uri="{FF2B5EF4-FFF2-40B4-BE49-F238E27FC236}">
-                <a16:creationId xmlns:a16="http://schemas.microsoft.com/office/drawing/2014/main" id="{42E7B9DE-690F-4896-65D9-80928C8DD4AC}"/>
+                <a16:creationId xmlns:a16="http://schemas.microsoft.com/office/drawing/2014/main" id="{2E9562E6-D486-3D64-E81C-9B3F7EBC26DE}"/>
               </a:ext>
             </a:extLst>
           </p:cNvPr>
@@ -377,7 +377,7 @@
           <p:cNvPr id="3" name="竖排文字占位符 2">
             <a:extLst>
               <a:ext uri="{FF2B5EF4-FFF2-40B4-BE49-F238E27FC236}">
-                <a16:creationId xmlns:a16="http://schemas.microsoft.com/office/drawing/2014/main" id="{3DF99F09-088F-14D9-774B-36BB87F48E08}"/>
+                <a16:creationId xmlns:a16="http://schemas.microsoft.com/office/drawing/2014/main" id="{488720DD-F026-B03C-7855-8CF93733DF5E}"/>
               </a:ext>
             </a:extLst>
           </p:cNvPr>
@@ -434,7 +434,7 @@
           <p:cNvPr id="4" name="日期占位符 3">
             <a:extLst>
               <a:ext uri="{FF2B5EF4-FFF2-40B4-BE49-F238E27FC236}">
-                <a16:creationId xmlns:a16="http://schemas.microsoft.com/office/drawing/2014/main" id="{FD804CCF-6DDC-9B4D-36AA-A03DC57AB147}"/>
+                <a16:creationId xmlns:a16="http://schemas.microsoft.com/office/drawing/2014/main" id="{57D59935-F433-646B-EC3E-E9E90457983F}"/>
               </a:ext>
             </a:extLst>
           </p:cNvPr>
@@ -450,7 +450,7 @@
           <a:bodyPr/>
           <a:lstStyle/>
           <a:p>
-            <a:fld id="{ABC22747-FCD2-4910-9D81-A59BE09DB5D5}" type="datetimeFigureOut">
+            <a:fld id="{728984BB-852E-417E-B406-A748874057C6}" type="datetimeFigureOut">
               <a:rPr lang="zh-CN" altLang="en-US" smtClean="0"/>
               <a:t>2024/3/10</a:t>
             </a:fld>
@@ -463,7 +463,7 @@
           <p:cNvPr id="5" name="页脚占位符 4">
             <a:extLst>
               <a:ext uri="{FF2B5EF4-FFF2-40B4-BE49-F238E27FC236}">
-                <a16:creationId xmlns:a16="http://schemas.microsoft.com/office/drawing/2014/main" id="{C6CAED58-E2BE-D015-0C67-16568A497EFD}"/>
+                <a16:creationId xmlns:a16="http://schemas.microsoft.com/office/drawing/2014/main" id="{0EE2A37C-E67A-CB92-BE6E-2E8EEF38C2C7}"/>
               </a:ext>
             </a:extLst>
           </p:cNvPr>
@@ -488,7 +488,7 @@
           <p:cNvPr id="6" name="灯片编号占位符 5">
             <a:extLst>
               <a:ext uri="{FF2B5EF4-FFF2-40B4-BE49-F238E27FC236}">
-                <a16:creationId xmlns:a16="http://schemas.microsoft.com/office/drawing/2014/main" id="{A6B76422-DDA6-AA94-F230-14938813EF84}"/>
+                <a16:creationId xmlns:a16="http://schemas.microsoft.com/office/drawing/2014/main" id="{9619F5D9-B23E-A863-6FBA-9BD65401081A}"/>
               </a:ext>
             </a:extLst>
           </p:cNvPr>
@@ -504,7 +504,7 @@
           <a:bodyPr/>
           <a:lstStyle/>
           <a:p>
-            <a:fld id="{677D60E0-B3A2-4A67-8401-050ED124A821}" type="slidenum">
+            <a:fld id="{8804E113-63D1-4B6A-80BF-ADA0308F3D11}" type="slidenum">
               <a:rPr lang="zh-CN" altLang="en-US" smtClean="0"/>
               <a:t>‹#›</a:t>
             </a:fld>
@@ -515,7 +515,7 @@
     </p:spTree>
     <p:extLst>
       <p:ext uri="{BB962C8B-B14F-4D97-AF65-F5344CB8AC3E}">
-        <p14:creationId xmlns:p14="http://schemas.microsoft.com/office/powerpoint/2010/main" val="2261500978"/>
+        <p14:creationId xmlns:p14="http://schemas.microsoft.com/office/powerpoint/2010/main" val="1277017247"/>
       </p:ext>
     </p:extLst>
   </p:cSld>
@@ -547,7 +547,7 @@
           <p:cNvPr id="2" name="竖排标题 1">
             <a:extLst>
               <a:ext uri="{FF2B5EF4-FFF2-40B4-BE49-F238E27FC236}">
-                <a16:creationId xmlns:a16="http://schemas.microsoft.com/office/drawing/2014/main" id="{E590D37D-FACB-73F7-586C-1CD318CD0001}"/>
+                <a16:creationId xmlns:a16="http://schemas.microsoft.com/office/drawing/2014/main" id="{FB41588B-C464-C727-0BD4-F877BE51F145}"/>
               </a:ext>
             </a:extLst>
           </p:cNvPr>
@@ -580,7 +580,7 @@
           <p:cNvPr id="3" name="竖排文字占位符 2">
             <a:extLst>
               <a:ext uri="{FF2B5EF4-FFF2-40B4-BE49-F238E27FC236}">
-                <a16:creationId xmlns:a16="http://schemas.microsoft.com/office/drawing/2014/main" id="{7BE97A11-F02C-192E-4244-A7B30E59938B}"/>
+                <a16:creationId xmlns:a16="http://schemas.microsoft.com/office/drawing/2014/main" id="{C1FF3759-AD4D-3C2E-D6EE-6F62830A0093}"/>
               </a:ext>
             </a:extLst>
           </p:cNvPr>
@@ -642,7 +642,7 @@
           <p:cNvPr id="4" name="日期占位符 3">
             <a:extLst>
               <a:ext uri="{FF2B5EF4-FFF2-40B4-BE49-F238E27FC236}">
-                <a16:creationId xmlns:a16="http://schemas.microsoft.com/office/drawing/2014/main" id="{367BD644-C0CB-2572-4520-5289131FD6E6}"/>
+                <a16:creationId xmlns:a16="http://schemas.microsoft.com/office/drawing/2014/main" id="{46533D0D-474B-EDCA-AEC7-B115D30A4541}"/>
               </a:ext>
             </a:extLst>
           </p:cNvPr>
@@ -658,7 +658,7 @@
           <a:bodyPr/>
           <a:lstStyle/>
           <a:p>
-            <a:fld id="{ABC22747-FCD2-4910-9D81-A59BE09DB5D5}" type="datetimeFigureOut">
+            <a:fld id="{728984BB-852E-417E-B406-A748874057C6}" type="datetimeFigureOut">
               <a:rPr lang="zh-CN" altLang="en-US" smtClean="0"/>
               <a:t>2024/3/10</a:t>
             </a:fld>
@@ -671,7 +671,7 @@
           <p:cNvPr id="5" name="页脚占位符 4">
             <a:extLst>
               <a:ext uri="{FF2B5EF4-FFF2-40B4-BE49-F238E27FC236}">
-                <a16:creationId xmlns:a16="http://schemas.microsoft.com/office/drawing/2014/main" id="{D63D8DB9-7ECD-F7F4-F888-D13F4EC5EB45}"/>
+                <a16:creationId xmlns:a16="http://schemas.microsoft.com/office/drawing/2014/main" id="{6387EDBF-792C-4CD5-5A1A-355365424991}"/>
               </a:ext>
             </a:extLst>
           </p:cNvPr>
@@ -696,7 +696,7 @@
           <p:cNvPr id="6" name="灯片编号占位符 5">
             <a:extLst>
               <a:ext uri="{FF2B5EF4-FFF2-40B4-BE49-F238E27FC236}">
-                <a16:creationId xmlns:a16="http://schemas.microsoft.com/office/drawing/2014/main" id="{F990DE08-92D9-A5FE-7824-AA1F108CD87D}"/>
+                <a16:creationId xmlns:a16="http://schemas.microsoft.com/office/drawing/2014/main" id="{5B6FDA79-6CB1-85ED-B336-10798AE02761}"/>
               </a:ext>
             </a:extLst>
           </p:cNvPr>
@@ -712,7 +712,7 @@
           <a:bodyPr/>
           <a:lstStyle/>
           <a:p>
-            <a:fld id="{677D60E0-B3A2-4A67-8401-050ED124A821}" type="slidenum">
+            <a:fld id="{8804E113-63D1-4B6A-80BF-ADA0308F3D11}" type="slidenum">
               <a:rPr lang="zh-CN" altLang="en-US" smtClean="0"/>
               <a:t>‹#›</a:t>
             </a:fld>
@@ -723,7 +723,7 @@
     </p:spTree>
     <p:extLst>
       <p:ext uri="{BB962C8B-B14F-4D97-AF65-F5344CB8AC3E}">
-        <p14:creationId xmlns:p14="http://schemas.microsoft.com/office/powerpoint/2010/main" val="451503907"/>
+        <p14:creationId xmlns:p14="http://schemas.microsoft.com/office/powerpoint/2010/main" val="1298894052"/>
       </p:ext>
     </p:extLst>
   </p:cSld>
@@ -755,7 +755,7 @@
           <p:cNvPr id="2" name="标题 1">
             <a:extLst>
               <a:ext uri="{FF2B5EF4-FFF2-40B4-BE49-F238E27FC236}">
-                <a16:creationId xmlns:a16="http://schemas.microsoft.com/office/drawing/2014/main" id="{FD2FD988-4BD6-D8F3-5762-A19EDD453762}"/>
+                <a16:creationId xmlns:a16="http://schemas.microsoft.com/office/drawing/2014/main" id="{D9373D10-E21F-A789-8C90-5D48128731F9}"/>
               </a:ext>
             </a:extLst>
           </p:cNvPr>
@@ -783,7 +783,7 @@
           <p:cNvPr id="3" name="内容占位符 2">
             <a:extLst>
               <a:ext uri="{FF2B5EF4-FFF2-40B4-BE49-F238E27FC236}">
-                <a16:creationId xmlns:a16="http://schemas.microsoft.com/office/drawing/2014/main" id="{C0B0F14C-5EE0-91D2-E1CF-9995F51A4F35}"/>
+                <a16:creationId xmlns:a16="http://schemas.microsoft.com/office/drawing/2014/main" id="{A4159085-FA68-AAC0-41F2-6BF61123583D}"/>
               </a:ext>
             </a:extLst>
           </p:cNvPr>
@@ -840,7 +840,7 @@
           <p:cNvPr id="4" name="日期占位符 3">
             <a:extLst>
               <a:ext uri="{FF2B5EF4-FFF2-40B4-BE49-F238E27FC236}">
-                <a16:creationId xmlns:a16="http://schemas.microsoft.com/office/drawing/2014/main" id="{25F82BE3-3708-10FE-BBFB-6F6E9D4EA76E}"/>
+                <a16:creationId xmlns:a16="http://schemas.microsoft.com/office/drawing/2014/main" id="{785F3729-C587-1533-0AE8-DD1E3B2DE96B}"/>
               </a:ext>
             </a:extLst>
           </p:cNvPr>
@@ -856,7 +856,7 @@
           <a:bodyPr/>
           <a:lstStyle/>
           <a:p>
-            <a:fld id="{ABC22747-FCD2-4910-9D81-A59BE09DB5D5}" type="datetimeFigureOut">
+            <a:fld id="{728984BB-852E-417E-B406-A748874057C6}" type="datetimeFigureOut">
               <a:rPr lang="zh-CN" altLang="en-US" smtClean="0"/>
               <a:t>2024/3/10</a:t>
             </a:fld>
@@ -869,7 +869,7 @@
           <p:cNvPr id="5" name="页脚占位符 4">
             <a:extLst>
               <a:ext uri="{FF2B5EF4-FFF2-40B4-BE49-F238E27FC236}">
-                <a16:creationId xmlns:a16="http://schemas.microsoft.com/office/drawing/2014/main" id="{0452B2FB-77B1-F9D7-AC16-F709003EA846}"/>
+                <a16:creationId xmlns:a16="http://schemas.microsoft.com/office/drawing/2014/main" id="{CF1CD14F-FCA6-87A8-E016-A9D9360D52FB}"/>
               </a:ext>
             </a:extLst>
           </p:cNvPr>
@@ -894,7 +894,7 @@
           <p:cNvPr id="6" name="灯片编号占位符 5">
             <a:extLst>
               <a:ext uri="{FF2B5EF4-FFF2-40B4-BE49-F238E27FC236}">
-                <a16:creationId xmlns:a16="http://schemas.microsoft.com/office/drawing/2014/main" id="{17F2CE0E-4026-26C3-7155-8B8BCC0D9DD8}"/>
+                <a16:creationId xmlns:a16="http://schemas.microsoft.com/office/drawing/2014/main" id="{494C25DE-3E1C-9FCB-F2C5-E9ED7BF6FFBC}"/>
               </a:ext>
             </a:extLst>
           </p:cNvPr>
@@ -910,7 +910,7 @@
           <a:bodyPr/>
           <a:lstStyle/>
           <a:p>
-            <a:fld id="{677D60E0-B3A2-4A67-8401-050ED124A821}" type="slidenum">
+            <a:fld id="{8804E113-63D1-4B6A-80BF-ADA0308F3D11}" type="slidenum">
               <a:rPr lang="zh-CN" altLang="en-US" smtClean="0"/>
               <a:t>‹#›</a:t>
             </a:fld>
@@ -921,7 +921,7 @@
     </p:spTree>
     <p:extLst>
       <p:ext uri="{BB962C8B-B14F-4D97-AF65-F5344CB8AC3E}">
-        <p14:creationId xmlns:p14="http://schemas.microsoft.com/office/powerpoint/2010/main" val="3587828116"/>
+        <p14:creationId xmlns:p14="http://schemas.microsoft.com/office/powerpoint/2010/main" val="4190625482"/>
       </p:ext>
     </p:extLst>
   </p:cSld>
@@ -953,7 +953,7 @@
           <p:cNvPr id="2" name="标题 1">
             <a:extLst>
               <a:ext uri="{FF2B5EF4-FFF2-40B4-BE49-F238E27FC236}">
-                <a16:creationId xmlns:a16="http://schemas.microsoft.com/office/drawing/2014/main" id="{1C42C222-E0D0-4512-89D3-C15BC8B0FC40}"/>
+                <a16:creationId xmlns:a16="http://schemas.microsoft.com/office/drawing/2014/main" id="{AE619344-0F9C-6204-5F2D-62D686B4FE14}"/>
               </a:ext>
             </a:extLst>
           </p:cNvPr>
@@ -990,7 +990,7 @@
           <p:cNvPr id="3" name="文本占位符 2">
             <a:extLst>
               <a:ext uri="{FF2B5EF4-FFF2-40B4-BE49-F238E27FC236}">
-                <a16:creationId xmlns:a16="http://schemas.microsoft.com/office/drawing/2014/main" id="{CE5DAC75-BB90-CE0F-84AC-8C6D6488E963}"/>
+                <a16:creationId xmlns:a16="http://schemas.microsoft.com/office/drawing/2014/main" id="{E04F90C3-4C70-6860-314D-907B575DD861}"/>
               </a:ext>
             </a:extLst>
           </p:cNvPr>
@@ -1115,7 +1115,7 @@
           <p:cNvPr id="4" name="日期占位符 3">
             <a:extLst>
               <a:ext uri="{FF2B5EF4-FFF2-40B4-BE49-F238E27FC236}">
-                <a16:creationId xmlns:a16="http://schemas.microsoft.com/office/drawing/2014/main" id="{44C3927C-CA69-8791-842E-F407563D5D8E}"/>
+                <a16:creationId xmlns:a16="http://schemas.microsoft.com/office/drawing/2014/main" id="{A67A04ED-F271-EDF5-57D4-419705DAD42F}"/>
               </a:ext>
             </a:extLst>
           </p:cNvPr>
@@ -1131,7 +1131,7 @@
           <a:bodyPr/>
           <a:lstStyle/>
           <a:p>
-            <a:fld id="{ABC22747-FCD2-4910-9D81-A59BE09DB5D5}" type="datetimeFigureOut">
+            <a:fld id="{728984BB-852E-417E-B406-A748874057C6}" type="datetimeFigureOut">
               <a:rPr lang="zh-CN" altLang="en-US" smtClean="0"/>
               <a:t>2024/3/10</a:t>
             </a:fld>
@@ -1144,7 +1144,7 @@
           <p:cNvPr id="5" name="页脚占位符 4">
             <a:extLst>
               <a:ext uri="{FF2B5EF4-FFF2-40B4-BE49-F238E27FC236}">
-                <a16:creationId xmlns:a16="http://schemas.microsoft.com/office/drawing/2014/main" id="{D5221D38-4F49-0112-2CD2-EDD6BF234A10}"/>
+                <a16:creationId xmlns:a16="http://schemas.microsoft.com/office/drawing/2014/main" id="{070539AF-5D6F-A721-8B42-F85C8AB74305}"/>
               </a:ext>
             </a:extLst>
           </p:cNvPr>
@@ -1169,7 +1169,7 @@
           <p:cNvPr id="6" name="灯片编号占位符 5">
             <a:extLst>
               <a:ext uri="{FF2B5EF4-FFF2-40B4-BE49-F238E27FC236}">
-                <a16:creationId xmlns:a16="http://schemas.microsoft.com/office/drawing/2014/main" id="{8F0EF1C3-3C45-F957-8514-9882C519E546}"/>
+                <a16:creationId xmlns:a16="http://schemas.microsoft.com/office/drawing/2014/main" id="{93A26AEA-3E83-0D4E-D8A7-E5B627BBE884}"/>
               </a:ext>
             </a:extLst>
           </p:cNvPr>
@@ -1185,7 +1185,7 @@
           <a:bodyPr/>
           <a:lstStyle/>
           <a:p>
-            <a:fld id="{677D60E0-B3A2-4A67-8401-050ED124A821}" type="slidenum">
+            <a:fld id="{8804E113-63D1-4B6A-80BF-ADA0308F3D11}" type="slidenum">
               <a:rPr lang="zh-CN" altLang="en-US" smtClean="0"/>
               <a:t>‹#›</a:t>
             </a:fld>
@@ -1196,7 +1196,7 @@
     </p:spTree>
     <p:extLst>
       <p:ext uri="{BB962C8B-B14F-4D97-AF65-F5344CB8AC3E}">
-        <p14:creationId xmlns:p14="http://schemas.microsoft.com/office/powerpoint/2010/main" val="3290706162"/>
+        <p14:creationId xmlns:p14="http://schemas.microsoft.com/office/powerpoint/2010/main" val="2575697684"/>
       </p:ext>
     </p:extLst>
   </p:cSld>
@@ -1228,7 +1228,7 @@
           <p:cNvPr id="2" name="标题 1">
             <a:extLst>
               <a:ext uri="{FF2B5EF4-FFF2-40B4-BE49-F238E27FC236}">
-                <a16:creationId xmlns:a16="http://schemas.microsoft.com/office/drawing/2014/main" id="{21479954-D5EC-2F9E-0516-63AC7E7FFA9C}"/>
+                <a16:creationId xmlns:a16="http://schemas.microsoft.com/office/drawing/2014/main" id="{7F80E78A-AD25-1995-B105-F999C1913D68}"/>
               </a:ext>
             </a:extLst>
           </p:cNvPr>
@@ -1256,7 +1256,7 @@
           <p:cNvPr id="3" name="内容占位符 2">
             <a:extLst>
               <a:ext uri="{FF2B5EF4-FFF2-40B4-BE49-F238E27FC236}">
-                <a16:creationId xmlns:a16="http://schemas.microsoft.com/office/drawing/2014/main" id="{3CD09B7C-696E-A673-931D-C7DE7D7F2579}"/>
+                <a16:creationId xmlns:a16="http://schemas.microsoft.com/office/drawing/2014/main" id="{61B8E182-D2F8-6ACF-FEDF-F93B31DED1A4}"/>
               </a:ext>
             </a:extLst>
           </p:cNvPr>
@@ -1318,7 +1318,7 @@
           <p:cNvPr id="4" name="内容占位符 3">
             <a:extLst>
               <a:ext uri="{FF2B5EF4-FFF2-40B4-BE49-F238E27FC236}">
-                <a16:creationId xmlns:a16="http://schemas.microsoft.com/office/drawing/2014/main" id="{D63426C7-AB70-D96F-6AE0-674BF4B7F227}"/>
+                <a16:creationId xmlns:a16="http://schemas.microsoft.com/office/drawing/2014/main" id="{DB34A35C-8A18-ED2D-DF0F-765ACFBC40AF}"/>
               </a:ext>
             </a:extLst>
           </p:cNvPr>
@@ -1380,7 +1380,7 @@
           <p:cNvPr id="5" name="日期占位符 4">
             <a:extLst>
               <a:ext uri="{FF2B5EF4-FFF2-40B4-BE49-F238E27FC236}">
-                <a16:creationId xmlns:a16="http://schemas.microsoft.com/office/drawing/2014/main" id="{779FEA32-2365-441D-95EE-36C0B2D805CD}"/>
+                <a16:creationId xmlns:a16="http://schemas.microsoft.com/office/drawing/2014/main" id="{9EE1F713-5641-A7B4-1116-7FE276575C68}"/>
               </a:ext>
             </a:extLst>
           </p:cNvPr>
@@ -1396,7 +1396,7 @@
           <a:bodyPr/>
           <a:lstStyle/>
           <a:p>
-            <a:fld id="{ABC22747-FCD2-4910-9D81-A59BE09DB5D5}" type="datetimeFigureOut">
+            <a:fld id="{728984BB-852E-417E-B406-A748874057C6}" type="datetimeFigureOut">
               <a:rPr lang="zh-CN" altLang="en-US" smtClean="0"/>
               <a:t>2024/3/10</a:t>
             </a:fld>
@@ -1409,7 +1409,7 @@
           <p:cNvPr id="6" name="页脚占位符 5">
             <a:extLst>
               <a:ext uri="{FF2B5EF4-FFF2-40B4-BE49-F238E27FC236}">
-                <a16:creationId xmlns:a16="http://schemas.microsoft.com/office/drawing/2014/main" id="{A859FF21-7FC8-8779-D4AF-43647DAA0676}"/>
+                <a16:creationId xmlns:a16="http://schemas.microsoft.com/office/drawing/2014/main" id="{59162415-EB78-1697-2FDB-85DC37E27C52}"/>
               </a:ext>
             </a:extLst>
           </p:cNvPr>
@@ -1434,7 +1434,7 @@
           <p:cNvPr id="7" name="灯片编号占位符 6">
             <a:extLst>
               <a:ext uri="{FF2B5EF4-FFF2-40B4-BE49-F238E27FC236}">
-                <a16:creationId xmlns:a16="http://schemas.microsoft.com/office/drawing/2014/main" id="{5B684B7B-3E80-68DD-6B1C-BE52AAE9F61A}"/>
+                <a16:creationId xmlns:a16="http://schemas.microsoft.com/office/drawing/2014/main" id="{92D8FE7F-47A3-9E27-0BDA-98D99DB24F75}"/>
               </a:ext>
             </a:extLst>
           </p:cNvPr>
@@ -1450,7 +1450,7 @@
           <a:bodyPr/>
           <a:lstStyle/>
           <a:p>
-            <a:fld id="{677D60E0-B3A2-4A67-8401-050ED124A821}" type="slidenum">
+            <a:fld id="{8804E113-63D1-4B6A-80BF-ADA0308F3D11}" type="slidenum">
               <a:rPr lang="zh-CN" altLang="en-US" smtClean="0"/>
               <a:t>‹#›</a:t>
             </a:fld>
@@ -1461,7 +1461,7 @@
     </p:spTree>
     <p:extLst>
       <p:ext uri="{BB962C8B-B14F-4D97-AF65-F5344CB8AC3E}">
-        <p14:creationId xmlns:p14="http://schemas.microsoft.com/office/powerpoint/2010/main" val="915615808"/>
+        <p14:creationId xmlns:p14="http://schemas.microsoft.com/office/powerpoint/2010/main" val="3181693509"/>
       </p:ext>
     </p:extLst>
   </p:cSld>
@@ -1493,7 +1493,7 @@
           <p:cNvPr id="2" name="标题 1">
             <a:extLst>
               <a:ext uri="{FF2B5EF4-FFF2-40B4-BE49-F238E27FC236}">
-                <a16:creationId xmlns:a16="http://schemas.microsoft.com/office/drawing/2014/main" id="{315887DC-8EC3-7061-C690-3BA3B0F91BD0}"/>
+                <a16:creationId xmlns:a16="http://schemas.microsoft.com/office/drawing/2014/main" id="{3FE1CFF8-9984-382A-82C0-B5A76CC2E9E9}"/>
               </a:ext>
             </a:extLst>
           </p:cNvPr>
@@ -1526,7 +1526,7 @@
           <p:cNvPr id="3" name="文本占位符 2">
             <a:extLst>
               <a:ext uri="{FF2B5EF4-FFF2-40B4-BE49-F238E27FC236}">
-                <a16:creationId xmlns:a16="http://schemas.microsoft.com/office/drawing/2014/main" id="{F69CA778-F666-D9B3-4B7C-190683CB3337}"/>
+                <a16:creationId xmlns:a16="http://schemas.microsoft.com/office/drawing/2014/main" id="{5E3C0D26-852F-6AAC-3D6F-9EB1805034AD}"/>
               </a:ext>
             </a:extLst>
           </p:cNvPr>
@@ -1597,7 +1597,7 @@
           <p:cNvPr id="4" name="内容占位符 3">
             <a:extLst>
               <a:ext uri="{FF2B5EF4-FFF2-40B4-BE49-F238E27FC236}">
-                <a16:creationId xmlns:a16="http://schemas.microsoft.com/office/drawing/2014/main" id="{114063DE-383A-F296-5A94-BEFA515A2C0E}"/>
+                <a16:creationId xmlns:a16="http://schemas.microsoft.com/office/drawing/2014/main" id="{9C3233A0-D62C-8CF8-DBD0-729F2D9C3300}"/>
               </a:ext>
             </a:extLst>
           </p:cNvPr>
@@ -1659,7 +1659,7 @@
           <p:cNvPr id="5" name="文本占位符 4">
             <a:extLst>
               <a:ext uri="{FF2B5EF4-FFF2-40B4-BE49-F238E27FC236}">
-                <a16:creationId xmlns:a16="http://schemas.microsoft.com/office/drawing/2014/main" id="{353D9493-B8AE-0C64-6F1E-83041E16D7F3}"/>
+                <a16:creationId xmlns:a16="http://schemas.microsoft.com/office/drawing/2014/main" id="{FD1003DB-163E-1377-B5F9-5443E65E7434}"/>
               </a:ext>
             </a:extLst>
           </p:cNvPr>
@@ -1730,7 +1730,7 @@
           <p:cNvPr id="6" name="内容占位符 5">
             <a:extLst>
               <a:ext uri="{FF2B5EF4-FFF2-40B4-BE49-F238E27FC236}">
-                <a16:creationId xmlns:a16="http://schemas.microsoft.com/office/drawing/2014/main" id="{267EBFD0-DF71-E13C-2FDC-CC077094327E}"/>
+                <a16:creationId xmlns:a16="http://schemas.microsoft.com/office/drawing/2014/main" id="{1312AD74-00DC-4F0B-B11D-1D6514058668}"/>
               </a:ext>
             </a:extLst>
           </p:cNvPr>
@@ -1792,7 +1792,7 @@
           <p:cNvPr id="7" name="日期占位符 6">
             <a:extLst>
               <a:ext uri="{FF2B5EF4-FFF2-40B4-BE49-F238E27FC236}">
-                <a16:creationId xmlns:a16="http://schemas.microsoft.com/office/drawing/2014/main" id="{BE3E277A-4F52-E942-1B79-1D00EB10917B}"/>
+                <a16:creationId xmlns:a16="http://schemas.microsoft.com/office/drawing/2014/main" id="{F28D4DAE-1995-29A5-EEB0-8EF73F922D7E}"/>
               </a:ext>
             </a:extLst>
           </p:cNvPr>
@@ -1808,7 +1808,7 @@
           <a:bodyPr/>
           <a:lstStyle/>
           <a:p>
-            <a:fld id="{ABC22747-FCD2-4910-9D81-A59BE09DB5D5}" type="datetimeFigureOut">
+            <a:fld id="{728984BB-852E-417E-B406-A748874057C6}" type="datetimeFigureOut">
               <a:rPr lang="zh-CN" altLang="en-US" smtClean="0"/>
               <a:t>2024/3/10</a:t>
             </a:fld>
@@ -1821,7 +1821,7 @@
           <p:cNvPr id="8" name="页脚占位符 7">
             <a:extLst>
               <a:ext uri="{FF2B5EF4-FFF2-40B4-BE49-F238E27FC236}">
-                <a16:creationId xmlns:a16="http://schemas.microsoft.com/office/drawing/2014/main" id="{811B32B5-A70E-5CB5-6221-33B37A56D90E}"/>
+                <a16:creationId xmlns:a16="http://schemas.microsoft.com/office/drawing/2014/main" id="{4A17919E-DB66-2D7D-7A7C-34AA57631FBC}"/>
               </a:ext>
             </a:extLst>
           </p:cNvPr>
@@ -1846,7 +1846,7 @@
           <p:cNvPr id="9" name="灯片编号占位符 8">
             <a:extLst>
               <a:ext uri="{FF2B5EF4-FFF2-40B4-BE49-F238E27FC236}">
-                <a16:creationId xmlns:a16="http://schemas.microsoft.com/office/drawing/2014/main" id="{EBC9729A-C26E-46B4-E795-57340AF72C49}"/>
+                <a16:creationId xmlns:a16="http://schemas.microsoft.com/office/drawing/2014/main" id="{CA84AD11-6757-9D5B-2E04-E9F48C1CA903}"/>
               </a:ext>
             </a:extLst>
           </p:cNvPr>
@@ -1862,7 +1862,7 @@
           <a:bodyPr/>
           <a:lstStyle/>
           <a:p>
-            <a:fld id="{677D60E0-B3A2-4A67-8401-050ED124A821}" type="slidenum">
+            <a:fld id="{8804E113-63D1-4B6A-80BF-ADA0308F3D11}" type="slidenum">
               <a:rPr lang="zh-CN" altLang="en-US" smtClean="0"/>
               <a:t>‹#›</a:t>
             </a:fld>
@@ -1873,7 +1873,7 @@
     </p:spTree>
     <p:extLst>
       <p:ext uri="{BB962C8B-B14F-4D97-AF65-F5344CB8AC3E}">
-        <p14:creationId xmlns:p14="http://schemas.microsoft.com/office/powerpoint/2010/main" val="56652281"/>
+        <p14:creationId xmlns:p14="http://schemas.microsoft.com/office/powerpoint/2010/main" val="3114700552"/>
       </p:ext>
     </p:extLst>
   </p:cSld>
@@ -1905,7 +1905,7 @@
           <p:cNvPr id="2" name="标题 1">
             <a:extLst>
               <a:ext uri="{FF2B5EF4-FFF2-40B4-BE49-F238E27FC236}">
-                <a16:creationId xmlns:a16="http://schemas.microsoft.com/office/drawing/2014/main" id="{9F984749-1A49-FC91-7E7A-A1F19BE2FDC4}"/>
+                <a16:creationId xmlns:a16="http://schemas.microsoft.com/office/drawing/2014/main" id="{0FE1303D-6F3F-06CB-6B04-04C5C35B745D}"/>
               </a:ext>
             </a:extLst>
           </p:cNvPr>
@@ -1933,7 +1933,7 @@
           <p:cNvPr id="3" name="日期占位符 2">
             <a:extLst>
               <a:ext uri="{FF2B5EF4-FFF2-40B4-BE49-F238E27FC236}">
-                <a16:creationId xmlns:a16="http://schemas.microsoft.com/office/drawing/2014/main" id="{534062FC-9F04-648A-1D6D-D0228768E437}"/>
+                <a16:creationId xmlns:a16="http://schemas.microsoft.com/office/drawing/2014/main" id="{828F913F-889C-9A7E-E3D5-282633352618}"/>
               </a:ext>
             </a:extLst>
           </p:cNvPr>
@@ -1949,7 +1949,7 @@
           <a:bodyPr/>
           <a:lstStyle/>
           <a:p>
-            <a:fld id="{ABC22747-FCD2-4910-9D81-A59BE09DB5D5}" type="datetimeFigureOut">
+            <a:fld id="{728984BB-852E-417E-B406-A748874057C6}" type="datetimeFigureOut">
               <a:rPr lang="zh-CN" altLang="en-US" smtClean="0"/>
               <a:t>2024/3/10</a:t>
             </a:fld>
@@ -1962,7 +1962,7 @@
           <p:cNvPr id="4" name="页脚占位符 3">
             <a:extLst>
               <a:ext uri="{FF2B5EF4-FFF2-40B4-BE49-F238E27FC236}">
-                <a16:creationId xmlns:a16="http://schemas.microsoft.com/office/drawing/2014/main" id="{44B813CB-E35B-B4A4-1BBC-BE4DF7F098EF}"/>
+                <a16:creationId xmlns:a16="http://schemas.microsoft.com/office/drawing/2014/main" id="{C7AE9ED8-CD71-5BBB-C757-296FB6540867}"/>
               </a:ext>
             </a:extLst>
           </p:cNvPr>
@@ -1987,7 +1987,7 @@
           <p:cNvPr id="5" name="灯片编号占位符 4">
             <a:extLst>
               <a:ext uri="{FF2B5EF4-FFF2-40B4-BE49-F238E27FC236}">
-                <a16:creationId xmlns:a16="http://schemas.microsoft.com/office/drawing/2014/main" id="{0F96B41B-FF87-225D-F986-9B30AC9EE67C}"/>
+                <a16:creationId xmlns:a16="http://schemas.microsoft.com/office/drawing/2014/main" id="{32CC633B-95BB-F35C-5E50-4BBCC9256C64}"/>
               </a:ext>
             </a:extLst>
           </p:cNvPr>
@@ -2003,7 +2003,7 @@
           <a:bodyPr/>
           <a:lstStyle/>
           <a:p>
-            <a:fld id="{677D60E0-B3A2-4A67-8401-050ED124A821}" type="slidenum">
+            <a:fld id="{8804E113-63D1-4B6A-80BF-ADA0308F3D11}" type="slidenum">
               <a:rPr lang="zh-CN" altLang="en-US" smtClean="0"/>
               <a:t>‹#›</a:t>
             </a:fld>
@@ -2014,7 +2014,7 @@
     </p:spTree>
     <p:extLst>
       <p:ext uri="{BB962C8B-B14F-4D97-AF65-F5344CB8AC3E}">
-        <p14:creationId xmlns:p14="http://schemas.microsoft.com/office/powerpoint/2010/main" val="2241794670"/>
+        <p14:creationId xmlns:p14="http://schemas.microsoft.com/office/powerpoint/2010/main" val="3287269092"/>
       </p:ext>
     </p:extLst>
   </p:cSld>
@@ -2046,7 +2046,7 @@
           <p:cNvPr id="2" name="日期占位符 1">
             <a:extLst>
               <a:ext uri="{FF2B5EF4-FFF2-40B4-BE49-F238E27FC236}">
-                <a16:creationId xmlns:a16="http://schemas.microsoft.com/office/drawing/2014/main" id="{F38FE686-12BC-FFC3-6667-C26A5CF3E954}"/>
+                <a16:creationId xmlns:a16="http://schemas.microsoft.com/office/drawing/2014/main" id="{E67AB8A4-BD45-30B1-89AD-018F8D4F9E89}"/>
               </a:ext>
             </a:extLst>
           </p:cNvPr>
@@ -2062,7 +2062,7 @@
           <a:bodyPr/>
           <a:lstStyle/>
           <a:p>
-            <a:fld id="{ABC22747-FCD2-4910-9D81-A59BE09DB5D5}" type="datetimeFigureOut">
+            <a:fld id="{728984BB-852E-417E-B406-A748874057C6}" type="datetimeFigureOut">
               <a:rPr lang="zh-CN" altLang="en-US" smtClean="0"/>
               <a:t>2024/3/10</a:t>
             </a:fld>
@@ -2075,7 +2075,7 @@
           <p:cNvPr id="3" name="页脚占位符 2">
             <a:extLst>
               <a:ext uri="{FF2B5EF4-FFF2-40B4-BE49-F238E27FC236}">
-                <a16:creationId xmlns:a16="http://schemas.microsoft.com/office/drawing/2014/main" id="{8ADEB723-C3C5-29A9-98AC-B66184B8D3C0}"/>
+                <a16:creationId xmlns:a16="http://schemas.microsoft.com/office/drawing/2014/main" id="{109330CD-9C84-D61E-A8E5-A6094137E866}"/>
               </a:ext>
             </a:extLst>
           </p:cNvPr>
@@ -2100,7 +2100,7 @@
           <p:cNvPr id="4" name="灯片编号占位符 3">
             <a:extLst>
               <a:ext uri="{FF2B5EF4-FFF2-40B4-BE49-F238E27FC236}">
-                <a16:creationId xmlns:a16="http://schemas.microsoft.com/office/drawing/2014/main" id="{0B06DED3-5005-7B89-1D10-110C513A7C06}"/>
+                <a16:creationId xmlns:a16="http://schemas.microsoft.com/office/drawing/2014/main" id="{12A2CF42-6C49-42AD-2662-F1DED1A6AE26}"/>
               </a:ext>
             </a:extLst>
           </p:cNvPr>
@@ -2116,7 +2116,7 @@
           <a:bodyPr/>
           <a:lstStyle/>
           <a:p>
-            <a:fld id="{677D60E0-B3A2-4A67-8401-050ED124A821}" type="slidenum">
+            <a:fld id="{8804E113-63D1-4B6A-80BF-ADA0308F3D11}" type="slidenum">
               <a:rPr lang="zh-CN" altLang="en-US" smtClean="0"/>
               <a:t>‹#›</a:t>
             </a:fld>
@@ -2127,7 +2127,7 @@
     </p:spTree>
     <p:extLst>
       <p:ext uri="{BB962C8B-B14F-4D97-AF65-F5344CB8AC3E}">
-        <p14:creationId xmlns:p14="http://schemas.microsoft.com/office/powerpoint/2010/main" val="2734915979"/>
+        <p14:creationId xmlns:p14="http://schemas.microsoft.com/office/powerpoint/2010/main" val="2785614806"/>
       </p:ext>
     </p:extLst>
   </p:cSld>
@@ -2159,7 +2159,7 @@
           <p:cNvPr id="2" name="标题 1">
             <a:extLst>
               <a:ext uri="{FF2B5EF4-FFF2-40B4-BE49-F238E27FC236}">
-                <a16:creationId xmlns:a16="http://schemas.microsoft.com/office/drawing/2014/main" id="{4539F76E-1BB0-D6C0-6176-E3EEA5FD1D47}"/>
+                <a16:creationId xmlns:a16="http://schemas.microsoft.com/office/drawing/2014/main" id="{604B91C0-FFAC-06AC-6498-92CB9D26F7DF}"/>
               </a:ext>
             </a:extLst>
           </p:cNvPr>
@@ -2196,7 +2196,7 @@
           <p:cNvPr id="3" name="内容占位符 2">
             <a:extLst>
               <a:ext uri="{FF2B5EF4-FFF2-40B4-BE49-F238E27FC236}">
-                <a16:creationId xmlns:a16="http://schemas.microsoft.com/office/drawing/2014/main" id="{26D49390-FD97-09F3-DEA6-29D36730D8A5}"/>
+                <a16:creationId xmlns:a16="http://schemas.microsoft.com/office/drawing/2014/main" id="{9169FAB8-73B5-C2A8-704F-86740FC579F5}"/>
               </a:ext>
             </a:extLst>
           </p:cNvPr>
@@ -2286,7 +2286,7 @@
           <p:cNvPr id="4" name="文本占位符 3">
             <a:extLst>
               <a:ext uri="{FF2B5EF4-FFF2-40B4-BE49-F238E27FC236}">
-                <a16:creationId xmlns:a16="http://schemas.microsoft.com/office/drawing/2014/main" id="{15EB881F-8BC8-E1A8-2366-1655FEE73086}"/>
+                <a16:creationId xmlns:a16="http://schemas.microsoft.com/office/drawing/2014/main" id="{3F575FAD-6DD4-3423-FE7B-A5AD6084A678}"/>
               </a:ext>
             </a:extLst>
           </p:cNvPr>
@@ -2357,7 +2357,7 @@
           <p:cNvPr id="5" name="日期占位符 4">
             <a:extLst>
               <a:ext uri="{FF2B5EF4-FFF2-40B4-BE49-F238E27FC236}">
-                <a16:creationId xmlns:a16="http://schemas.microsoft.com/office/drawing/2014/main" id="{88F092D8-CFAE-6878-E5D1-77CB3686EA31}"/>
+                <a16:creationId xmlns:a16="http://schemas.microsoft.com/office/drawing/2014/main" id="{88757B5F-D9E9-1BD5-03C7-7134C959C305}"/>
               </a:ext>
             </a:extLst>
           </p:cNvPr>
@@ -2373,7 +2373,7 @@
           <a:bodyPr/>
           <a:lstStyle/>
           <a:p>
-            <a:fld id="{ABC22747-FCD2-4910-9D81-A59BE09DB5D5}" type="datetimeFigureOut">
+            <a:fld id="{728984BB-852E-417E-B406-A748874057C6}" type="datetimeFigureOut">
               <a:rPr lang="zh-CN" altLang="en-US" smtClean="0"/>
               <a:t>2024/3/10</a:t>
             </a:fld>
@@ -2386,7 +2386,7 @@
           <p:cNvPr id="6" name="页脚占位符 5">
             <a:extLst>
               <a:ext uri="{FF2B5EF4-FFF2-40B4-BE49-F238E27FC236}">
-                <a16:creationId xmlns:a16="http://schemas.microsoft.com/office/drawing/2014/main" id="{B5790D77-6B0C-CFA4-E402-BBF33177E829}"/>
+                <a16:creationId xmlns:a16="http://schemas.microsoft.com/office/drawing/2014/main" id="{43F1AEB0-E82F-7AF4-6016-96FFB306316A}"/>
               </a:ext>
             </a:extLst>
           </p:cNvPr>
@@ -2411,7 +2411,7 @@
           <p:cNvPr id="7" name="灯片编号占位符 6">
             <a:extLst>
               <a:ext uri="{FF2B5EF4-FFF2-40B4-BE49-F238E27FC236}">
-                <a16:creationId xmlns:a16="http://schemas.microsoft.com/office/drawing/2014/main" id="{8B00EDA2-F121-6A39-0B5F-7BEB4DE428BE}"/>
+                <a16:creationId xmlns:a16="http://schemas.microsoft.com/office/drawing/2014/main" id="{46B3D270-686A-0AD0-DEFF-897FF44ACE38}"/>
               </a:ext>
             </a:extLst>
           </p:cNvPr>
@@ -2427,7 +2427,7 @@
           <a:bodyPr/>
           <a:lstStyle/>
           <a:p>
-            <a:fld id="{677D60E0-B3A2-4A67-8401-050ED124A821}" type="slidenum">
+            <a:fld id="{8804E113-63D1-4B6A-80BF-ADA0308F3D11}" type="slidenum">
               <a:rPr lang="zh-CN" altLang="en-US" smtClean="0"/>
               <a:t>‹#›</a:t>
             </a:fld>
@@ -2438,7 +2438,7 @@
     </p:spTree>
     <p:extLst>
       <p:ext uri="{BB962C8B-B14F-4D97-AF65-F5344CB8AC3E}">
-        <p14:creationId xmlns:p14="http://schemas.microsoft.com/office/powerpoint/2010/main" val="3107639196"/>
+        <p14:creationId xmlns:p14="http://schemas.microsoft.com/office/powerpoint/2010/main" val="1139001892"/>
       </p:ext>
     </p:extLst>
   </p:cSld>
@@ -2470,7 +2470,7 @@
           <p:cNvPr id="2" name="标题 1">
             <a:extLst>
               <a:ext uri="{FF2B5EF4-FFF2-40B4-BE49-F238E27FC236}">
-                <a16:creationId xmlns:a16="http://schemas.microsoft.com/office/drawing/2014/main" id="{5349757B-FBE8-C37C-E249-69F8C66CC3AA}"/>
+                <a16:creationId xmlns:a16="http://schemas.microsoft.com/office/drawing/2014/main" id="{D061AB17-3904-A501-56FE-B499C065B87D}"/>
               </a:ext>
             </a:extLst>
           </p:cNvPr>
@@ -2507,7 +2507,7 @@
           <p:cNvPr id="3" name="图片占位符 2">
             <a:extLst>
               <a:ext uri="{FF2B5EF4-FFF2-40B4-BE49-F238E27FC236}">
-                <a16:creationId xmlns:a16="http://schemas.microsoft.com/office/drawing/2014/main" id="{7DEB9B8C-A812-8B19-1257-DABA4F43DC7F}"/>
+                <a16:creationId xmlns:a16="http://schemas.microsoft.com/office/drawing/2014/main" id="{B84FCBEE-04A5-99E6-1EA9-CE8F8507A917}"/>
               </a:ext>
             </a:extLst>
           </p:cNvPr>
@@ -2574,7 +2574,7 @@
           <p:cNvPr id="4" name="文本占位符 3">
             <a:extLst>
               <a:ext uri="{FF2B5EF4-FFF2-40B4-BE49-F238E27FC236}">
-                <a16:creationId xmlns:a16="http://schemas.microsoft.com/office/drawing/2014/main" id="{63E730D4-7BA5-54EF-4407-7D3689FD9981}"/>
+                <a16:creationId xmlns:a16="http://schemas.microsoft.com/office/drawing/2014/main" id="{8FDCF738-F790-1826-99B3-FC6A8896FCF0}"/>
               </a:ext>
             </a:extLst>
           </p:cNvPr>
@@ -2645,7 +2645,7 @@
           <p:cNvPr id="5" name="日期占位符 4">
             <a:extLst>
               <a:ext uri="{FF2B5EF4-FFF2-40B4-BE49-F238E27FC236}">
-                <a16:creationId xmlns:a16="http://schemas.microsoft.com/office/drawing/2014/main" id="{7ECF0AD8-FF25-3669-28C5-DAF0E7F420A6}"/>
+                <a16:creationId xmlns:a16="http://schemas.microsoft.com/office/drawing/2014/main" id="{D441123A-1AE0-76EE-B455-5390ADBE5F2A}"/>
               </a:ext>
             </a:extLst>
           </p:cNvPr>
@@ -2661,7 +2661,7 @@
           <a:bodyPr/>
           <a:lstStyle/>
           <a:p>
-            <a:fld id="{ABC22747-FCD2-4910-9D81-A59BE09DB5D5}" type="datetimeFigureOut">
+            <a:fld id="{728984BB-852E-417E-B406-A748874057C6}" type="datetimeFigureOut">
               <a:rPr lang="zh-CN" altLang="en-US" smtClean="0"/>
               <a:t>2024/3/10</a:t>
             </a:fld>
@@ -2674,7 +2674,7 @@
           <p:cNvPr id="6" name="页脚占位符 5">
             <a:extLst>
               <a:ext uri="{FF2B5EF4-FFF2-40B4-BE49-F238E27FC236}">
-                <a16:creationId xmlns:a16="http://schemas.microsoft.com/office/drawing/2014/main" id="{5BE66334-93A2-35CF-20B7-96202D403699}"/>
+                <a16:creationId xmlns:a16="http://schemas.microsoft.com/office/drawing/2014/main" id="{FA434232-632A-EA16-0750-FD710B6B4FAF}"/>
               </a:ext>
             </a:extLst>
           </p:cNvPr>
@@ -2699,7 +2699,7 @@
           <p:cNvPr id="7" name="灯片编号占位符 6">
             <a:extLst>
               <a:ext uri="{FF2B5EF4-FFF2-40B4-BE49-F238E27FC236}">
-                <a16:creationId xmlns:a16="http://schemas.microsoft.com/office/drawing/2014/main" id="{01A12189-A980-A851-AC29-7FF44BAD2FCD}"/>
+                <a16:creationId xmlns:a16="http://schemas.microsoft.com/office/drawing/2014/main" id="{429D40B6-226E-6F16-9D78-FC798A175B92}"/>
               </a:ext>
             </a:extLst>
           </p:cNvPr>
@@ -2715,7 +2715,7 @@
           <a:bodyPr/>
           <a:lstStyle/>
           <a:p>
-            <a:fld id="{677D60E0-B3A2-4A67-8401-050ED124A821}" type="slidenum">
+            <a:fld id="{8804E113-63D1-4B6A-80BF-ADA0308F3D11}" type="slidenum">
               <a:rPr lang="zh-CN" altLang="en-US" smtClean="0"/>
               <a:t>‹#›</a:t>
             </a:fld>
@@ -2726,7 +2726,7 @@
     </p:spTree>
     <p:extLst>
       <p:ext uri="{BB962C8B-B14F-4D97-AF65-F5344CB8AC3E}">
-        <p14:creationId xmlns:p14="http://schemas.microsoft.com/office/powerpoint/2010/main" val="1333350917"/>
+        <p14:creationId xmlns:p14="http://schemas.microsoft.com/office/powerpoint/2010/main" val="3868446497"/>
       </p:ext>
     </p:extLst>
   </p:cSld>
@@ -2763,7 +2763,7 @@
           <p:cNvPr id="2" name="标题占位符 1">
             <a:extLst>
               <a:ext uri="{FF2B5EF4-FFF2-40B4-BE49-F238E27FC236}">
-                <a16:creationId xmlns:a16="http://schemas.microsoft.com/office/drawing/2014/main" id="{87BC73D5-FE1C-8A47-FA61-CD698849D424}"/>
+                <a16:creationId xmlns:a16="http://schemas.microsoft.com/office/drawing/2014/main" id="{67982F7A-E3A1-2B77-9447-3044E326C48E}"/>
               </a:ext>
             </a:extLst>
           </p:cNvPr>
@@ -2801,7 +2801,7 @@
           <p:cNvPr id="3" name="文本占位符 2">
             <a:extLst>
               <a:ext uri="{FF2B5EF4-FFF2-40B4-BE49-F238E27FC236}">
-                <a16:creationId xmlns:a16="http://schemas.microsoft.com/office/drawing/2014/main" id="{65892B6C-999C-FF97-7CFC-EC147738E8EA}"/>
+                <a16:creationId xmlns:a16="http://schemas.microsoft.com/office/drawing/2014/main" id="{D0459CF6-547A-7DB9-192E-6D4066363B96}"/>
               </a:ext>
             </a:extLst>
           </p:cNvPr>
@@ -2868,7 +2868,7 @@
           <p:cNvPr id="4" name="日期占位符 3">
             <a:extLst>
               <a:ext uri="{FF2B5EF4-FFF2-40B4-BE49-F238E27FC236}">
-                <a16:creationId xmlns:a16="http://schemas.microsoft.com/office/drawing/2014/main" id="{C9A73B3A-0474-F11D-4EDD-A8DAB13DADCE}"/>
+                <a16:creationId xmlns:a16="http://schemas.microsoft.com/office/drawing/2014/main" id="{8586E2C8-AA68-60EB-8CEF-C6186F51BBCA}"/>
               </a:ext>
             </a:extLst>
           </p:cNvPr>
@@ -2902,7 +2902,7 @@
             </a:lvl1pPr>
           </a:lstStyle>
           <a:p>
-            <a:fld id="{ABC22747-FCD2-4910-9D81-A59BE09DB5D5}" type="datetimeFigureOut">
+            <a:fld id="{728984BB-852E-417E-B406-A748874057C6}" type="datetimeFigureOut">
               <a:rPr lang="zh-CN" altLang="en-US" smtClean="0"/>
               <a:t>2024/3/10</a:t>
             </a:fld>
@@ -2915,7 +2915,7 @@
           <p:cNvPr id="5" name="页脚占位符 4">
             <a:extLst>
               <a:ext uri="{FF2B5EF4-FFF2-40B4-BE49-F238E27FC236}">
-                <a16:creationId xmlns:a16="http://schemas.microsoft.com/office/drawing/2014/main" id="{6770F1ED-8B49-3413-AD5A-A06985B711A0}"/>
+                <a16:creationId xmlns:a16="http://schemas.microsoft.com/office/drawing/2014/main" id="{651AC615-9462-E34D-484D-98FCF9A31012}"/>
               </a:ext>
             </a:extLst>
           </p:cNvPr>
@@ -2958,7 +2958,7 @@
           <p:cNvPr id="6" name="灯片编号占位符 5">
             <a:extLst>
               <a:ext uri="{FF2B5EF4-FFF2-40B4-BE49-F238E27FC236}">
-                <a16:creationId xmlns:a16="http://schemas.microsoft.com/office/drawing/2014/main" id="{0C199340-5CCD-D1EA-2B57-8E7EB33A31E3}"/>
+                <a16:creationId xmlns:a16="http://schemas.microsoft.com/office/drawing/2014/main" id="{FF4610E8-115D-DDD6-607F-56CF0D5876B5}"/>
               </a:ext>
             </a:extLst>
           </p:cNvPr>
@@ -2992,7 +2992,7 @@
             </a:lvl1pPr>
           </a:lstStyle>
           <a:p>
-            <a:fld id="{677D60E0-B3A2-4A67-8401-050ED124A821}" type="slidenum">
+            <a:fld id="{8804E113-63D1-4B6A-80BF-ADA0308F3D11}" type="slidenum">
               <a:rPr lang="zh-CN" altLang="en-US" smtClean="0"/>
               <a:t>‹#›</a:t>
             </a:fld>
@@ -3003,7 +3003,7 @@
     </p:spTree>
     <p:extLst>
       <p:ext uri="{BB962C8B-B14F-4D97-AF65-F5344CB8AC3E}">
-        <p14:creationId xmlns:p14="http://schemas.microsoft.com/office/powerpoint/2010/main" val="806327242"/>
+        <p14:creationId xmlns:p14="http://schemas.microsoft.com/office/powerpoint/2010/main" val="1879891967"/>
       </p:ext>
     </p:extLst>
   </p:cSld>
@@ -3323,7 +3323,7 @@
       </p:grpSpPr>
       <p:pic>
         <p:nvPicPr>
-          <p:cNvPr id="1381378" name="Picture 2" descr="1348"/>
+          <p:cNvPr id="1382402" name="Picture 2" descr="1349"/>
           <p:cNvPicPr>
             <a:picLocks noChangeAspect="1" noChangeArrowheads="1"/>
           </p:cNvPicPr>
@@ -3344,8 +3344,8 @@
         </p:blipFill>
         <p:spPr bwMode="auto">
           <a:xfrm>
-            <a:off x="1524000" y="0"/>
-            <a:ext cx="9144000" cy="6858000"/>
+            <a:off x="1524000" y="1"/>
+            <a:ext cx="9144000" cy="6238875"/>
           </a:xfrm>
           <a:prstGeom prst="rect">
             <a:avLst/>
@@ -3375,158 +3375,11 @@
           </a:extLst>
         </p:spPr>
       </p:pic>
-      <p:pic>
-        <p:nvPicPr>
-          <p:cNvPr id="1382403" name="Picture 3" descr="1348-2"/>
-          <p:cNvPicPr>
-            <a:picLocks noChangeAspect="1" noChangeArrowheads="1"/>
-          </p:cNvPicPr>
-          <p:nvPr/>
-        </p:nvPicPr>
-        <p:blipFill>
-          <a:blip r:embed="rId3">
-            <a:extLst>
-              <a:ext uri="{28A0092B-C50C-407E-A947-70E740481C1C}">
-                <a14:useLocalDpi xmlns:a14="http://schemas.microsoft.com/office/drawing/2010/main" val="0"/>
-              </a:ext>
-            </a:extLst>
-          </a:blip>
-          <a:srcRect/>
-          <a:stretch>
-            <a:fillRect/>
-          </a:stretch>
-        </p:blipFill>
-        <p:spPr bwMode="auto">
-          <a:xfrm>
-            <a:off x="1524000" y="-14288"/>
-            <a:ext cx="9144000" cy="6900863"/>
-          </a:xfrm>
-          <a:prstGeom prst="rect">
-            <a:avLst/>
-          </a:prstGeom>
-          <a:noFill/>
-          <a:ln>
-            <a:noFill/>
-          </a:ln>
-          <a:effectLst/>
-          <a:extLst>
-            <a:ext uri="{909E8E84-426E-40DD-AFC4-6F175D3DCCD1}">
-              <a14:hiddenFill xmlns:a14="http://schemas.microsoft.com/office/drawing/2010/main">
-                <a:solidFill>
-                  <a:srgbClr val="FFFFFF"/>
-                </a:solidFill>
-              </a14:hiddenFill>
-            </a:ext>
-            <a:ext uri="{91240B29-F687-4F45-9708-019B960494DF}">
-              <a14:hiddenLine xmlns:a14="http://schemas.microsoft.com/office/drawing/2010/main" w="9525">
-                <a:solidFill>
-                  <a:srgbClr val="000000"/>
-                </a:solidFill>
-                <a:miter lim="800000"/>
-                <a:headEnd/>
-                <a:tailEnd/>
-              </a14:hiddenLine>
-            </a:ext>
-            <a:ext uri="{AF507438-7753-43E0-B8FC-AC1667EBCBE1}">
-              <a14:hiddenEffects xmlns:a14="http://schemas.microsoft.com/office/drawing/2010/main">
-                <a:effectLst>
-                  <a:outerShdw dist="35921" dir="2700000" algn="ctr" rotWithShape="0">
-                    <a:srgbClr val="808080"/>
-                  </a:outerShdw>
-                </a:effectLst>
-              </a14:hiddenEffects>
-            </a:ext>
-          </a:extLst>
-        </p:spPr>
-      </p:pic>
     </p:spTree>
   </p:cSld>
   <p:clrMapOvr>
     <a:masterClrMapping/>
   </p:clrMapOvr>
-  <p:timing>
-    <p:tnLst>
-      <p:par>
-        <p:cTn id="1" dur="indefinite" restart="never" nodeType="tmRoot">
-          <p:childTnLst>
-            <p:seq concurrent="1" nextAc="seek">
-              <p:cTn id="2" dur="indefinite" nodeType="mainSeq">
-                <p:childTnLst>
-                  <p:par>
-                    <p:cTn id="3" fill="hold" nodeType="clickPar">
-                      <p:stCondLst>
-                        <p:cond delay="indefinite"/>
-                      </p:stCondLst>
-                      <p:childTnLst>
-                        <p:par>
-                          <p:cTn id="4" fill="hold" nodeType="withGroup">
-                            <p:stCondLst>
-                              <p:cond delay="0"/>
-                            </p:stCondLst>
-                            <p:childTnLst>
-                              <p:par>
-                                <p:cTn id="5" presetID="10" presetClass="entr" presetSubtype="0" fill="hold" nodeType="clickEffect">
-                                  <p:stCondLst>
-                                    <p:cond delay="0"/>
-                                  </p:stCondLst>
-                                  <p:childTnLst>
-                                    <p:set>
-                                      <p:cBhvr>
-                                        <p:cTn id="6" dur="1" fill="hold">
-                                          <p:stCondLst>
-                                            <p:cond delay="0"/>
-                                          </p:stCondLst>
-                                        </p:cTn>
-                                        <p:tgtEl>
-                                          <p:spTgt spid="1382403"/>
-                                        </p:tgtEl>
-                                        <p:attrNameLst>
-                                          <p:attrName>style.visibility</p:attrName>
-                                        </p:attrNameLst>
-                                      </p:cBhvr>
-                                      <p:to>
-                                        <p:strVal val="visible"/>
-                                      </p:to>
-                                    </p:set>
-                                    <p:animEffect transition="in" filter="fade">
-                                      <p:cBhvr>
-                                        <p:cTn id="7" dur="500"/>
-                                        <p:tgtEl>
-                                          <p:spTgt spid="1382403"/>
-                                        </p:tgtEl>
-                                      </p:cBhvr>
-                                    </p:animEffect>
-                                  </p:childTnLst>
-                                </p:cTn>
-                              </p:par>
-                            </p:childTnLst>
-                          </p:cTn>
-                        </p:par>
-                      </p:childTnLst>
-                    </p:cTn>
-                  </p:par>
-                </p:childTnLst>
-              </p:cTn>
-              <p:prevCondLst>
-                <p:cond evt="onPrev" delay="0">
-                  <p:tgtEl>
-                    <p:sldTgt/>
-                  </p:tgtEl>
-                </p:cond>
-              </p:prevCondLst>
-              <p:nextCondLst>
-                <p:cond evt="onNext" delay="0">
-                  <p:tgtEl>
-                    <p:sldTgt/>
-                  </p:tgtEl>
-                </p:cond>
-              </p:nextCondLst>
-            </p:seq>
-          </p:childTnLst>
-        </p:cTn>
-      </p:par>
-    </p:tnLst>
-  </p:timing>
 </p:sld>
 </file>
 
